--- a/images/results/Xe-diff-pattern.pptx
+++ b/images/results/Xe-diff-pattern.pptx
@@ -104,6 +104,11 @@
       </a:defRPr>
     </a:lvl9pPr>
   </p:defaultTextStyle>
+  <p:extLst>
+    <p:ext uri="{EFAFB233-063F-42B5-8137-9DF3F51BA10A}">
+      <p15:sldGuideLst xmlns:p15="http://schemas.microsoft.com/office/powerpoint/2012/main"/>
+    </p:ext>
+  </p:extLst>
 </p:presentation>
 </file>
 
@@ -238,7 +243,7 @@
           <a:p>
             <a:fld id="{EA0E5CFB-13AB-8A49-8CDC-CF89505AD2BA}" type="datetimeFigureOut">
               <a:rPr lang="en-US" smtClean="0"/>
-              <a:t>11/30/16</a:t>
+              <a:t>1/13/17</a:t>
             </a:fld>
             <a:endParaRPr lang="en-US"/>
           </a:p>
@@ -408,7 +413,7 @@
           <a:p>
             <a:fld id="{EA0E5CFB-13AB-8A49-8CDC-CF89505AD2BA}" type="datetimeFigureOut">
               <a:rPr lang="en-US" smtClean="0"/>
-              <a:t>11/30/16</a:t>
+              <a:t>1/13/17</a:t>
             </a:fld>
             <a:endParaRPr lang="en-US"/>
           </a:p>
@@ -588,7 +593,7 @@
           <a:p>
             <a:fld id="{EA0E5CFB-13AB-8A49-8CDC-CF89505AD2BA}" type="datetimeFigureOut">
               <a:rPr lang="en-US" smtClean="0"/>
-              <a:t>11/30/16</a:t>
+              <a:t>1/13/17</a:t>
             </a:fld>
             <a:endParaRPr lang="en-US"/>
           </a:p>
@@ -758,7 +763,7 @@
           <a:p>
             <a:fld id="{EA0E5CFB-13AB-8A49-8CDC-CF89505AD2BA}" type="datetimeFigureOut">
               <a:rPr lang="en-US" smtClean="0"/>
-              <a:t>11/30/16</a:t>
+              <a:t>1/13/17</a:t>
             </a:fld>
             <a:endParaRPr lang="en-US"/>
           </a:p>
@@ -1004,7 +1009,7 @@
           <a:p>
             <a:fld id="{EA0E5CFB-13AB-8A49-8CDC-CF89505AD2BA}" type="datetimeFigureOut">
               <a:rPr lang="en-US" smtClean="0"/>
-              <a:t>11/30/16</a:t>
+              <a:t>1/13/17</a:t>
             </a:fld>
             <a:endParaRPr lang="en-US"/>
           </a:p>
@@ -1236,7 +1241,7 @@
           <a:p>
             <a:fld id="{EA0E5CFB-13AB-8A49-8CDC-CF89505AD2BA}" type="datetimeFigureOut">
               <a:rPr lang="en-US" smtClean="0"/>
-              <a:t>11/30/16</a:t>
+              <a:t>1/13/17</a:t>
             </a:fld>
             <a:endParaRPr lang="en-US"/>
           </a:p>
@@ -1603,7 +1608,7 @@
           <a:p>
             <a:fld id="{EA0E5CFB-13AB-8A49-8CDC-CF89505AD2BA}" type="datetimeFigureOut">
               <a:rPr lang="en-US" smtClean="0"/>
-              <a:t>11/30/16</a:t>
+              <a:t>1/13/17</a:t>
             </a:fld>
             <a:endParaRPr lang="en-US"/>
           </a:p>
@@ -1721,7 +1726,7 @@
           <a:p>
             <a:fld id="{EA0E5CFB-13AB-8A49-8CDC-CF89505AD2BA}" type="datetimeFigureOut">
               <a:rPr lang="en-US" smtClean="0"/>
-              <a:t>11/30/16</a:t>
+              <a:t>1/13/17</a:t>
             </a:fld>
             <a:endParaRPr lang="en-US"/>
           </a:p>
@@ -1816,7 +1821,7 @@
           <a:p>
             <a:fld id="{EA0E5CFB-13AB-8A49-8CDC-CF89505AD2BA}" type="datetimeFigureOut">
               <a:rPr lang="en-US" smtClean="0"/>
-              <a:t>11/30/16</a:t>
+              <a:t>1/13/17</a:t>
             </a:fld>
             <a:endParaRPr lang="en-US"/>
           </a:p>
@@ -2093,7 +2098,7 @@
           <a:p>
             <a:fld id="{EA0E5CFB-13AB-8A49-8CDC-CF89505AD2BA}" type="datetimeFigureOut">
               <a:rPr lang="en-US" smtClean="0"/>
-              <a:t>11/30/16</a:t>
+              <a:t>1/13/17</a:t>
             </a:fld>
             <a:endParaRPr lang="en-US"/>
           </a:p>
@@ -2346,7 +2351,7 @@
           <a:p>
             <a:fld id="{EA0E5CFB-13AB-8A49-8CDC-CF89505AD2BA}" type="datetimeFigureOut">
               <a:rPr lang="en-US" smtClean="0"/>
-              <a:t>11/30/16</a:t>
+              <a:t>1/13/17</a:t>
             </a:fld>
             <a:endParaRPr lang="en-US"/>
           </a:p>
@@ -2559,7 +2564,7 @@
           <a:p>
             <a:fld id="{EA0E5CFB-13AB-8A49-8CDC-CF89505AD2BA}" type="datetimeFigureOut">
               <a:rPr lang="en-US" smtClean="0"/>
-              <a:t>11/30/16</a:t>
+              <a:t>1/13/17</a:t>
             </a:fld>
             <a:endParaRPr lang="en-US"/>
           </a:p>
@@ -2966,124 +2971,152 @@
       </p:grpSpPr>
       <p:grpSp>
         <p:nvGrpSpPr>
-          <p:cNvPr id="14" name="Group 13"/>
+          <p:cNvPr id="2" name="Group 1"/>
           <p:cNvGrpSpPr/>
           <p:nvPr/>
         </p:nvGrpSpPr>
         <p:grpSpPr>
           <a:xfrm>
             <a:off x="1589455" y="1661475"/>
-            <a:ext cx="9339723" cy="3362282"/>
+            <a:ext cx="9339723" cy="3367864"/>
             <a:chOff x="1589455" y="1661475"/>
-            <a:chExt cx="9339723" cy="3362282"/>
+            <a:chExt cx="9339723" cy="3367864"/>
           </a:xfrm>
         </p:grpSpPr>
         <p:grpSp>
           <p:nvGrpSpPr>
-            <p:cNvPr id="11" name="Group 10"/>
+            <p:cNvPr id="14" name="Group 13"/>
             <p:cNvGrpSpPr/>
             <p:nvPr/>
           </p:nvGrpSpPr>
           <p:grpSpPr>
             <a:xfrm>
               <a:off x="1589455" y="1661475"/>
-              <a:ext cx="9339723" cy="3362282"/>
+              <a:ext cx="9339723" cy="3365936"/>
               <a:chOff x="1589455" y="1661475"/>
-              <a:chExt cx="9339723" cy="3362282"/>
+              <a:chExt cx="9339723" cy="3365936"/>
             </a:xfrm>
           </p:grpSpPr>
-          <p:pic>
-            <p:nvPicPr>
-              <p:cNvPr id="4" name="Picture 3"/>
-              <p:cNvPicPr>
-                <a:picLocks noChangeAspect="1"/>
-              </p:cNvPicPr>
+          <p:grpSp>
+            <p:nvGrpSpPr>
+              <p:cNvPr id="11" name="Group 10"/>
+              <p:cNvGrpSpPr/>
               <p:nvPr/>
-            </p:nvPicPr>
-            <p:blipFill>
-              <a:blip r:embed="rId2">
-                <a:extLst>
-                  <a:ext uri="{28A0092B-C50C-407E-A947-70E740481C1C}">
-                    <a14:useLocalDpi xmlns:a14="http://schemas.microsoft.com/office/drawing/2010/main" val="0"/>
-                  </a:ext>
-                </a:extLst>
-              </a:blip>
-              <a:stretch>
-                <a:fillRect/>
-              </a:stretch>
-            </p:blipFill>
-            <p:spPr>
+            </p:nvGrpSpPr>
+            <p:grpSpPr>
               <a:xfrm>
-                <a:off x="1808673" y="1812266"/>
-                <a:ext cx="4572000" cy="2806700"/>
+                <a:off x="1589455" y="1661475"/>
+                <a:ext cx="9339723" cy="3365936"/>
+                <a:chOff x="1589455" y="1661475"/>
+                <a:chExt cx="9339723" cy="3365936"/>
               </a:xfrm>
-              <a:prstGeom prst="rect">
-                <a:avLst/>
-              </a:prstGeom>
-            </p:spPr>
-          </p:pic>
-          <mc:AlternateContent xmlns:mc="http://schemas.openxmlformats.org/markup-compatibility/2006">
-            <mc:Choice xmlns:a14="http://schemas.microsoft.com/office/drawing/2010/main" Requires="a14">
-              <p:sp>
-                <p:nvSpPr>
-                  <p:cNvPr id="5" name="TextBox 4"/>
-                  <p:cNvSpPr txBox="1"/>
-                  <p:nvPr/>
-                </p:nvSpPr>
-                <p:spPr>
-                  <a:xfrm>
-                    <a:off x="3524548" y="4618966"/>
-                    <a:ext cx="1140249" cy="404791"/>
-                  </a:xfrm>
-                  <a:prstGeom prst="rect">
-                    <a:avLst/>
-                  </a:prstGeom>
-                  <a:noFill/>
-                </p:spPr>
-                <p:txBody>
-                  <a:bodyPr wrap="none" rtlCol="0">
-                    <a:spAutoFit/>
-                  </a:bodyPr>
-                  <a:lstStyle/>
-                  <a:p>
-                    <a14:m>
-                      <m:oMathPara xmlns:m="http://schemas.openxmlformats.org/officeDocument/2006/math">
-                        <m:oMathParaPr>
-                          <m:jc m:val="centerGroup"/>
-                        </m:oMathParaPr>
+            </p:grpSpPr>
+            <p:pic>
+              <p:nvPicPr>
+                <p:cNvPr id="4" name="Picture 3"/>
+                <p:cNvPicPr>
+                  <a:picLocks noChangeAspect="1"/>
+                </p:cNvPicPr>
+                <p:nvPr/>
+              </p:nvPicPr>
+              <p:blipFill>
+                <a:blip r:embed="rId2">
+                  <a:extLst>
+                    <a:ext uri="{28A0092B-C50C-407E-A947-70E740481C1C}">
+                      <a14:useLocalDpi xmlns:a14="http://schemas.microsoft.com/office/drawing/2010/main" val="0"/>
+                    </a:ext>
+                  </a:extLst>
+                </a:blip>
+                <a:stretch>
+                  <a:fillRect/>
+                </a:stretch>
+              </p:blipFill>
+              <p:spPr>
+                <a:xfrm>
+                  <a:off x="1808673" y="1812266"/>
+                  <a:ext cx="4572000" cy="2806700"/>
+                </a:xfrm>
+                <a:prstGeom prst="rect">
+                  <a:avLst/>
+                </a:prstGeom>
+              </p:spPr>
+            </p:pic>
+            <mc:AlternateContent xmlns:mc="http://schemas.openxmlformats.org/markup-compatibility/2006">
+              <mc:Choice xmlns:a14="http://schemas.microsoft.com/office/drawing/2010/main" Requires="a14">
+                <p:sp>
+                  <p:nvSpPr>
+                    <p:cNvPr id="5" name="TextBox 4"/>
+                    <p:cNvSpPr txBox="1"/>
+                    <p:nvPr/>
+                  </p:nvSpPr>
+                  <p:spPr>
+                    <a:xfrm>
+                      <a:off x="2668021" y="4618966"/>
+                      <a:ext cx="2932791" cy="408445"/>
+                    </a:xfrm>
+                    <a:prstGeom prst="rect">
+                      <a:avLst/>
+                    </a:prstGeom>
+                    <a:noFill/>
+                  </p:spPr>
+                  <p:txBody>
+                    <a:bodyPr wrap="none" rtlCol="0">
+                      <a:spAutoFit/>
+                    </a:bodyPr>
+                    <a:lstStyle/>
+                    <a:p>
+                      <a:pPr/>
+                      <a:r>
+                        <a:rPr lang="en-US" sz="1700" dirty="0" smtClean="0"/>
+                        <a:t>Spatial Frequencies </a:t>
+                      </a:r>
+                      <a14:m>
                         <m:oMath xmlns:m="http://schemas.openxmlformats.org/officeDocument/2006/math">
-                          <m:acc>
-                            <m:accPr>
-                              <m:chr m:val="⃗"/>
+                          <m:d>
+                            <m:dPr>
+                              <m:begChr m:val="|"/>
+                              <m:endChr m:val="|"/>
                               <m:ctrlPr>
-                                <a:rPr lang="en-US" i="1" smtClean="0">
+                                <a:rPr lang="en-US" sz="1700" i="1" smtClean="0">
                                   <a:latin typeface="Cambria Math" charset="0"/>
                                 </a:rPr>
                               </m:ctrlPr>
-                            </m:accPr>
+                            </m:dPr>
                             <m:e>
-                              <m:r>
-                                <a:rPr lang="de-DE" b="0" i="1" smtClean="0">
-                                  <a:latin typeface="Cambria Math" charset="0"/>
-                                </a:rPr>
-                                <m:t>𝑄</m:t>
-                              </m:r>
+                              <m:acc>
+                                <m:accPr>
+                                  <m:chr m:val="⃗"/>
+                                  <m:ctrlPr>
+                                    <a:rPr lang="en-US" sz="1700" i="1">
+                                      <a:latin typeface="Cambria Math" charset="0"/>
+                                    </a:rPr>
+                                  </m:ctrlPr>
+                                </m:accPr>
+                                <m:e>
+                                  <m:r>
+                                    <a:rPr lang="de-DE" sz="1700" i="1">
+                                      <a:latin typeface="Cambria Math" charset="0"/>
+                                    </a:rPr>
+                                    <m:t>𝑄</m:t>
+                                  </m:r>
+                                </m:e>
+                              </m:acc>
                             </m:e>
-                          </m:acc>
+                          </m:d>
                           <m:r>
-                            <a:rPr lang="de-DE" b="0" i="1" smtClean="0">
+                            <a:rPr lang="de-DE" sz="1700" b="0" i="1" smtClean="0">
                               <a:latin typeface="Cambria Math" charset="0"/>
                             </a:rPr>
                             <m:t> </m:t>
                           </m:r>
                           <m:r>
-                            <a:rPr lang="de-DE" b="0" i="1" smtClean="0">
+                            <a:rPr lang="de-DE" sz="1700" b="0" i="1" smtClean="0">
                               <a:latin typeface="Cambria Math" charset="0"/>
                             </a:rPr>
                             <m:t>𝑖𝑛</m:t>
                           </m:r>
                           <m:r>
-                            <a:rPr lang="de-DE" b="0" i="1" smtClean="0">
+                            <a:rPr lang="de-DE" sz="1700" b="0" i="1" smtClean="0">
                               <a:latin typeface="Cambria Math" charset="0"/>
                             </a:rPr>
                             <m:t> </m:t>
@@ -3091,14 +3124,14 @@
                           <m:sSup>
                             <m:sSupPr>
                               <m:ctrlPr>
-                                <a:rPr lang="de-DE" b="0" i="1" smtClean="0">
+                                <a:rPr lang="de-DE" sz="1700" b="0" i="1" smtClean="0">
                                   <a:latin typeface="Cambria Math" charset="0"/>
                                 </a:rPr>
                               </m:ctrlPr>
                             </m:sSupPr>
                             <m:e>
                               <m:r>
-                                <a:rPr lang="de-DE" b="0" i="1" smtClean="0">
+                                <a:rPr lang="de-DE" sz="1700" b="0" i="1" smtClean="0">
                                   <a:latin typeface="Cambria Math" charset="0"/>
                                 </a:rPr>
                                 <m:t>𝑚</m:t>
@@ -3106,7 +3139,7 @@
                             </m:e>
                             <m:sup>
                               <m:r>
-                                <a:rPr lang="de-DE" b="0" i="1" smtClean="0">
+                                <a:rPr lang="de-DE" sz="1700" b="0" i="1" smtClean="0">
                                   <a:latin typeface="Cambria Math" charset="0"/>
                                 </a:rPr>
                                 <m:t>−1</m:t>
@@ -3114,485 +3147,498 @@
                             </m:sup>
                           </m:sSup>
                         </m:oMath>
-                      </m:oMathPara>
-                    </a14:m>
-                    <a:endParaRPr lang="en-US" dirty="0"/>
-                  </a:p>
-                </p:txBody>
-              </p:sp>
-            </mc:Choice>
-            <mc:Fallback>
-              <p:sp>
-                <p:nvSpPr>
-                  <p:cNvPr id="5" name="TextBox 4"/>
-                  <p:cNvSpPr txBox="1">
-                    <a:spLocks noRot="1" noChangeAspect="1" noMove="1" noResize="1" noEditPoints="1" noAdjustHandles="1" noChangeArrowheads="1" noChangeShapeType="1" noTextEdit="1"/>
-                  </p:cNvSpPr>
-                  <p:nvPr/>
-                </p:nvSpPr>
-                <p:spPr>
-                  <a:xfrm>
-                    <a:off x="3524548" y="4618966"/>
-                    <a:ext cx="1140249" cy="404791"/>
-                  </a:xfrm>
-                  <a:prstGeom prst="rect">
-                    <a:avLst/>
-                  </a:prstGeom>
-                  <a:blipFill rotWithShape="0">
-                    <a:blip r:embed="rId3"/>
-                    <a:stretch>
-                      <a:fillRect t="-80303" b="-112121"/>
-                    </a:stretch>
-                  </a:blipFill>
-                </p:spPr>
-                <p:txBody>
-                  <a:bodyPr/>
-                  <a:lstStyle/>
-                  <a:p>
-                    <a:r>
-                      <a:rPr lang="en-US">
-                        <a:noFill/>
-                      </a:rPr>
-                      <a:t> </a:t>
-                    </a:r>
-                  </a:p>
-                </p:txBody>
-              </p:sp>
-            </mc:Fallback>
-          </mc:AlternateContent>
-          <mc:AlternateContent xmlns:mc="http://schemas.openxmlformats.org/markup-compatibility/2006">
-            <mc:Choice xmlns:a14="http://schemas.microsoft.com/office/drawing/2010/main" Requires="a14">
-              <p:sp>
-                <p:nvSpPr>
-                  <p:cNvPr id="6" name="TextBox 5"/>
-                  <p:cNvSpPr txBox="1"/>
-                  <p:nvPr/>
-                </p:nvSpPr>
-                <p:spPr>
-                  <a:xfrm>
-                    <a:off x="1589455" y="1661476"/>
-                    <a:ext cx="545662" cy="404791"/>
-                  </a:xfrm>
-                  <a:prstGeom prst="rect">
-                    <a:avLst/>
-                  </a:prstGeom>
-                  <a:noFill/>
-                </p:spPr>
-                <p:txBody>
-                  <a:bodyPr wrap="none" rtlCol="0">
-                    <a:spAutoFit/>
-                  </a:bodyPr>
-                  <a:lstStyle/>
-                  <a:p>
-                    <a:r>
-                      <a:rPr lang="en-US" dirty="0" smtClean="0"/>
-                      <a:t>I(</a:t>
-                    </a:r>
-                    <a14:m>
-                      <m:oMath xmlns:m="http://schemas.openxmlformats.org/officeDocument/2006/math">
-                        <m:acc>
-                          <m:accPr>
-                            <m:chr m:val="⃗"/>
-                            <m:ctrlPr>
-                              <a:rPr lang="en-US" b="0" i="1" smtClean="0">
-                                <a:latin typeface="Cambria Math" charset="0"/>
-                              </a:rPr>
-                            </m:ctrlPr>
-                          </m:accPr>
-                          <m:e>
-                            <m:r>
-                              <a:rPr lang="de-DE" b="0" i="1" smtClean="0">
-                                <a:latin typeface="Cambria Math" charset="0"/>
-                              </a:rPr>
-                              <m:t>𝑄</m:t>
-                            </m:r>
-                          </m:e>
-                        </m:acc>
-                      </m:oMath>
-                    </a14:m>
-                    <a:r>
-                      <a:rPr lang="en-US" dirty="0" smtClean="0"/>
-                      <a:t>)</a:t>
-                    </a:r>
-                    <a:endParaRPr lang="en-US" dirty="0"/>
-                  </a:p>
-                </p:txBody>
-              </p:sp>
-            </mc:Choice>
-            <mc:Fallback>
-              <p:sp>
-                <p:nvSpPr>
-                  <p:cNvPr id="6" name="TextBox 5"/>
-                  <p:cNvSpPr txBox="1">
-                    <a:spLocks noRot="1" noChangeAspect="1" noMove="1" noResize="1" noEditPoints="1" noAdjustHandles="1" noChangeArrowheads="1" noChangeShapeType="1" noTextEdit="1"/>
-                  </p:cNvSpPr>
-                  <p:nvPr/>
-                </p:nvSpPr>
-                <p:spPr>
-                  <a:xfrm>
-                    <a:off x="1589455" y="1661476"/>
-                    <a:ext cx="545662" cy="404791"/>
-                  </a:xfrm>
-                  <a:prstGeom prst="rect">
-                    <a:avLst/>
-                  </a:prstGeom>
-                  <a:blipFill rotWithShape="0">
-                    <a:blip r:embed="rId4"/>
-                    <a:stretch>
-                      <a:fillRect l="-10112" r="-10112" b="-24242"/>
-                    </a:stretch>
-                  </a:blipFill>
-                </p:spPr>
-                <p:txBody>
-                  <a:bodyPr/>
-                  <a:lstStyle/>
-                  <a:p>
-                    <a:r>
-                      <a:rPr lang="en-US">
-                        <a:noFill/>
-                      </a:rPr>
-                      <a:t> </a:t>
-                    </a:r>
-                  </a:p>
-                </p:txBody>
-              </p:sp>
-            </mc:Fallback>
-          </mc:AlternateContent>
-          <p:pic>
-            <p:nvPicPr>
-              <p:cNvPr id="8" name="Picture 7"/>
-              <p:cNvPicPr>
-                <a:picLocks noChangeAspect="1"/>
-              </p:cNvPicPr>
-              <p:nvPr/>
-            </p:nvPicPr>
-            <p:blipFill>
-              <a:blip r:embed="rId5">
-                <a:extLst>
-                  <a:ext uri="{28A0092B-C50C-407E-A947-70E740481C1C}">
-                    <a14:useLocalDpi xmlns:a14="http://schemas.microsoft.com/office/drawing/2010/main" val="0"/>
-                  </a:ext>
-                </a:extLst>
-              </a:blip>
-              <a:stretch>
-                <a:fillRect/>
-              </a:stretch>
-            </p:blipFill>
-            <p:spPr>
-              <a:xfrm>
-                <a:off x="6357178" y="1812265"/>
-                <a:ext cx="4572000" cy="2806699"/>
-              </a:xfrm>
-              <a:prstGeom prst="rect">
-                <a:avLst/>
-              </a:prstGeom>
-            </p:spPr>
-          </p:pic>
-          <mc:AlternateContent xmlns:mc="http://schemas.openxmlformats.org/markup-compatibility/2006">
-            <mc:Choice xmlns:a14="http://schemas.microsoft.com/office/drawing/2010/main" Requires="a14">
-              <p:sp>
-                <p:nvSpPr>
-                  <p:cNvPr id="9" name="TextBox 8"/>
-                  <p:cNvSpPr txBox="1"/>
-                  <p:nvPr/>
-                </p:nvSpPr>
-                <p:spPr>
-                  <a:xfrm>
-                    <a:off x="6084347" y="1661475"/>
-                    <a:ext cx="545662" cy="404791"/>
-                  </a:xfrm>
-                  <a:prstGeom prst="rect">
-                    <a:avLst/>
-                  </a:prstGeom>
-                  <a:noFill/>
-                </p:spPr>
-                <p:txBody>
-                  <a:bodyPr wrap="none" rtlCol="0">
-                    <a:spAutoFit/>
-                  </a:bodyPr>
-                  <a:lstStyle/>
-                  <a:p>
-                    <a:r>
-                      <a:rPr lang="en-US" dirty="0" smtClean="0"/>
-                      <a:t>I(</a:t>
-                    </a:r>
-                    <a14:m>
-                      <m:oMath xmlns:m="http://schemas.openxmlformats.org/officeDocument/2006/math">
-                        <m:acc>
-                          <m:accPr>
-                            <m:chr m:val="⃗"/>
-                            <m:ctrlPr>
-                              <a:rPr lang="en-US" b="0" i="1" smtClean="0">
-                                <a:latin typeface="Cambria Math" charset="0"/>
-                              </a:rPr>
-                            </m:ctrlPr>
-                          </m:accPr>
-                          <m:e>
-                            <m:r>
-                              <a:rPr lang="de-DE" b="0" i="1" smtClean="0">
-                                <a:latin typeface="Cambria Math" charset="0"/>
-                              </a:rPr>
-                              <m:t>𝑄</m:t>
-                            </m:r>
-                          </m:e>
-                        </m:acc>
-                      </m:oMath>
-                    </a14:m>
-                    <a:r>
-                      <a:rPr lang="en-US" dirty="0" smtClean="0"/>
-                      <a:t>)</a:t>
-                    </a:r>
-                    <a:endParaRPr lang="en-US" dirty="0"/>
-                  </a:p>
-                </p:txBody>
-              </p:sp>
-            </mc:Choice>
-            <mc:Fallback>
-              <p:sp>
-                <p:nvSpPr>
-                  <p:cNvPr id="9" name="TextBox 8"/>
-                  <p:cNvSpPr txBox="1">
-                    <a:spLocks noRot="1" noChangeAspect="1" noMove="1" noResize="1" noEditPoints="1" noAdjustHandles="1" noChangeArrowheads="1" noChangeShapeType="1" noTextEdit="1"/>
-                  </p:cNvSpPr>
-                  <p:nvPr/>
-                </p:nvSpPr>
-                <p:spPr>
-                  <a:xfrm>
-                    <a:off x="6084347" y="1661475"/>
-                    <a:ext cx="545662" cy="404791"/>
-                  </a:xfrm>
-                  <a:prstGeom prst="rect">
-                    <a:avLst/>
-                  </a:prstGeom>
-                  <a:blipFill rotWithShape="0">
-                    <a:blip r:embed="rId6"/>
-                    <a:stretch>
-                      <a:fillRect l="-8889" r="-10000" b="-24242"/>
-                    </a:stretch>
-                  </a:blipFill>
-                </p:spPr>
-                <p:txBody>
-                  <a:bodyPr/>
-                  <a:lstStyle/>
-                  <a:p>
-                    <a:r>
-                      <a:rPr lang="en-US">
-                        <a:noFill/>
-                      </a:rPr>
-                      <a:t> </a:t>
-                    </a:r>
-                  </a:p>
-                </p:txBody>
-              </p:sp>
-            </mc:Fallback>
-          </mc:AlternateContent>
-          <mc:AlternateContent xmlns:mc="http://schemas.openxmlformats.org/markup-compatibility/2006">
-            <mc:Choice xmlns:a14="http://schemas.microsoft.com/office/drawing/2010/main" Requires="a14">
-              <p:sp>
-                <p:nvSpPr>
-                  <p:cNvPr id="10" name="TextBox 9"/>
-                  <p:cNvSpPr txBox="1"/>
-                  <p:nvPr/>
-                </p:nvSpPr>
-                <p:spPr>
-                  <a:xfrm>
-                    <a:off x="8073053" y="4618965"/>
-                    <a:ext cx="1140249" cy="404791"/>
-                  </a:xfrm>
-                  <a:prstGeom prst="rect">
-                    <a:avLst/>
-                  </a:prstGeom>
-                  <a:noFill/>
-                </p:spPr>
-                <p:txBody>
-                  <a:bodyPr wrap="none" rtlCol="0">
-                    <a:spAutoFit/>
-                  </a:bodyPr>
-                  <a:lstStyle/>
-                  <a:p>
-                    <a14:m>
-                      <m:oMathPara xmlns:m="http://schemas.openxmlformats.org/officeDocument/2006/math">
-                        <m:oMathParaPr>
-                          <m:jc m:val="centerGroup"/>
-                        </m:oMathParaPr>
+                      </a14:m>
+                      <a:endParaRPr lang="en-US" sz="1700" dirty="0"/>
+                    </a:p>
+                  </p:txBody>
+                </p:sp>
+              </mc:Choice>
+              <mc:Fallback>
+                <p:sp>
+                  <p:nvSpPr>
+                    <p:cNvPr id="5" name="TextBox 4"/>
+                    <p:cNvSpPr txBox="1">
+                      <a:spLocks noRot="1" noChangeAspect="1" noMove="1" noResize="1" noEditPoints="1" noAdjustHandles="1" noChangeArrowheads="1" noChangeShapeType="1" noTextEdit="1"/>
+                    </p:cNvSpPr>
+                    <p:nvPr/>
+                  </p:nvSpPr>
+                  <p:spPr>
+                    <a:xfrm>
+                      <a:off x="2668021" y="4618966"/>
+                      <a:ext cx="2932791" cy="408445"/>
+                    </a:xfrm>
+                    <a:prstGeom prst="rect">
+                      <a:avLst/>
+                    </a:prstGeom>
+                    <a:blipFill rotWithShape="0">
+                      <a:blip r:embed="rId3"/>
+                      <a:stretch>
+                        <a:fillRect l="-1455" t="-68657" b="-97015"/>
+                      </a:stretch>
+                    </a:blipFill>
+                  </p:spPr>
+                  <p:txBody>
+                    <a:bodyPr/>
+                    <a:lstStyle/>
+                    <a:p>
+                      <a:r>
+                        <a:rPr lang="en-US">
+                          <a:noFill/>
+                        </a:rPr>
+                        <a:t> </a:t>
+                      </a:r>
+                    </a:p>
+                  </p:txBody>
+                </p:sp>
+              </mc:Fallback>
+            </mc:AlternateContent>
+            <mc:AlternateContent xmlns:mc="http://schemas.openxmlformats.org/markup-compatibility/2006">
+              <mc:Choice xmlns:a14="http://schemas.microsoft.com/office/drawing/2010/main" Requires="a14">
+                <p:sp>
+                  <p:nvSpPr>
+                    <p:cNvPr id="6" name="TextBox 5"/>
+                    <p:cNvSpPr txBox="1"/>
+                    <p:nvPr/>
+                  </p:nvSpPr>
+                  <p:spPr>
+                    <a:xfrm>
+                      <a:off x="1589455" y="1661476"/>
+                      <a:ext cx="524503" cy="387414"/>
+                    </a:xfrm>
+                    <a:prstGeom prst="rect">
+                      <a:avLst/>
+                    </a:prstGeom>
+                    <a:noFill/>
+                  </p:spPr>
+                  <p:txBody>
+                    <a:bodyPr wrap="none" rtlCol="0">
+                      <a:spAutoFit/>
+                    </a:bodyPr>
+                    <a:lstStyle/>
+                    <a:p>
+                      <a:r>
+                        <a:rPr lang="en-US" sz="1700" dirty="0" smtClean="0"/>
+                        <a:t>I(</a:t>
+                      </a:r>
+                      <a14:m>
                         <m:oMath xmlns:m="http://schemas.openxmlformats.org/officeDocument/2006/math">
                           <m:acc>
                             <m:accPr>
                               <m:chr m:val="⃗"/>
                               <m:ctrlPr>
-                                <a:rPr lang="en-US" i="1" smtClean="0">
+                                <a:rPr lang="en-US" sz="1700" b="0" i="1" smtClean="0">
                                   <a:latin typeface="Cambria Math" charset="0"/>
                                 </a:rPr>
                               </m:ctrlPr>
                             </m:accPr>
                             <m:e>
                               <m:r>
-                                <a:rPr lang="de-DE" b="0" i="1" smtClean="0">
+                                <a:rPr lang="de-DE" sz="1700" b="0" i="1" smtClean="0">
                                   <a:latin typeface="Cambria Math" charset="0"/>
                                 </a:rPr>
                                 <m:t>𝑄</m:t>
                               </m:r>
                             </m:e>
                           </m:acc>
-                          <m:r>
-                            <a:rPr lang="de-DE" b="0" i="1" smtClean="0">
-                              <a:latin typeface="Cambria Math" charset="0"/>
-                            </a:rPr>
-                            <m:t> </m:t>
-                          </m:r>
-                          <m:r>
-                            <a:rPr lang="de-DE" b="0" i="1" smtClean="0">
-                              <a:latin typeface="Cambria Math" charset="0"/>
-                            </a:rPr>
-                            <m:t>𝑖𝑛</m:t>
-                          </m:r>
-                          <m:r>
-                            <a:rPr lang="de-DE" b="0" i="1" smtClean="0">
-                              <a:latin typeface="Cambria Math" charset="0"/>
-                            </a:rPr>
-                            <m:t> </m:t>
-                          </m:r>
-                          <m:sSup>
-                            <m:sSupPr>
+                        </m:oMath>
+                      </a14:m>
+                      <a:r>
+                        <a:rPr lang="en-US" sz="1700" dirty="0" smtClean="0"/>
+                        <a:t>)</a:t>
+                      </a:r>
+                      <a:endParaRPr lang="en-US" sz="1700" dirty="0"/>
+                    </a:p>
+                  </p:txBody>
+                </p:sp>
+              </mc:Choice>
+              <mc:Fallback>
+                <p:sp>
+                  <p:nvSpPr>
+                    <p:cNvPr id="6" name="TextBox 5"/>
+                    <p:cNvSpPr txBox="1">
+                      <a:spLocks noRot="1" noChangeAspect="1" noMove="1" noResize="1" noEditPoints="1" noAdjustHandles="1" noChangeArrowheads="1" noChangeShapeType="1" noTextEdit="1"/>
+                    </p:cNvSpPr>
+                    <p:nvPr/>
+                  </p:nvSpPr>
+                  <p:spPr>
+                    <a:xfrm>
+                      <a:off x="1589455" y="1661476"/>
+                      <a:ext cx="524503" cy="387414"/>
+                    </a:xfrm>
+                    <a:prstGeom prst="rect">
+                      <a:avLst/>
+                    </a:prstGeom>
+                    <a:blipFill rotWithShape="0">
+                      <a:blip r:embed="rId4"/>
+                      <a:stretch>
+                        <a:fillRect l="-8140" r="-6977" b="-22222"/>
+                      </a:stretch>
+                    </a:blipFill>
+                  </p:spPr>
+                  <p:txBody>
+                    <a:bodyPr/>
+                    <a:lstStyle/>
+                    <a:p>
+                      <a:r>
+                        <a:rPr lang="en-US">
+                          <a:noFill/>
+                        </a:rPr>
+                        <a:t> </a:t>
+                      </a:r>
+                    </a:p>
+                  </p:txBody>
+                </p:sp>
+              </mc:Fallback>
+            </mc:AlternateContent>
+            <p:pic>
+              <p:nvPicPr>
+                <p:cNvPr id="8" name="Picture 7"/>
+                <p:cNvPicPr>
+                  <a:picLocks noChangeAspect="1"/>
+                </p:cNvPicPr>
+                <p:nvPr/>
+              </p:nvPicPr>
+              <p:blipFill>
+                <a:blip r:embed="rId5">
+                  <a:extLst>
+                    <a:ext uri="{28A0092B-C50C-407E-A947-70E740481C1C}">
+                      <a14:useLocalDpi xmlns:a14="http://schemas.microsoft.com/office/drawing/2010/main" val="0"/>
+                    </a:ext>
+                  </a:extLst>
+                </a:blip>
+                <a:stretch>
+                  <a:fillRect/>
+                </a:stretch>
+              </p:blipFill>
+              <p:spPr>
+                <a:xfrm>
+                  <a:off x="6357178" y="1812265"/>
+                  <a:ext cx="4572000" cy="2806699"/>
+                </a:xfrm>
+                <a:prstGeom prst="rect">
+                  <a:avLst/>
+                </a:prstGeom>
+              </p:spPr>
+            </p:pic>
+            <mc:AlternateContent xmlns:mc="http://schemas.openxmlformats.org/markup-compatibility/2006">
+              <mc:Choice xmlns:a14="http://schemas.microsoft.com/office/drawing/2010/main" Requires="a14">
+                <p:sp>
+                  <p:nvSpPr>
+                    <p:cNvPr id="9" name="TextBox 8"/>
+                    <p:cNvSpPr txBox="1"/>
+                    <p:nvPr/>
+                  </p:nvSpPr>
+                  <p:spPr>
+                    <a:xfrm>
+                      <a:off x="6084347" y="1661475"/>
+                      <a:ext cx="524503" cy="387414"/>
+                    </a:xfrm>
+                    <a:prstGeom prst="rect">
+                      <a:avLst/>
+                    </a:prstGeom>
+                    <a:noFill/>
+                  </p:spPr>
+                  <p:txBody>
+                    <a:bodyPr wrap="none" rtlCol="0">
+                      <a:spAutoFit/>
+                    </a:bodyPr>
+                    <a:lstStyle/>
+                    <a:p>
+                      <a:r>
+                        <a:rPr lang="en-US" sz="1700" dirty="0" smtClean="0"/>
+                        <a:t>I(</a:t>
+                      </a:r>
+                      <a14:m>
+                        <m:oMath xmlns:m="http://schemas.openxmlformats.org/officeDocument/2006/math">
+                          <m:acc>
+                            <m:accPr>
+                              <m:chr m:val="⃗"/>
                               <m:ctrlPr>
-                                <a:rPr lang="de-DE" b="0" i="1" smtClean="0">
+                                <a:rPr lang="en-US" sz="1700" b="0" i="1" smtClean="0">
                                   <a:latin typeface="Cambria Math" charset="0"/>
                                 </a:rPr>
                               </m:ctrlPr>
-                            </m:sSupPr>
+                            </m:accPr>
                             <m:e>
                               <m:r>
-                                <a:rPr lang="de-DE" b="0" i="1" smtClean="0">
+                                <a:rPr lang="de-DE" sz="1700" b="0" i="1" smtClean="0">
                                   <a:latin typeface="Cambria Math" charset="0"/>
                                 </a:rPr>
-                                <m:t>𝑚</m:t>
+                                <m:t>𝑄</m:t>
                               </m:r>
                             </m:e>
-                            <m:sup>
-                              <m:r>
-                                <a:rPr lang="de-DE" b="0" i="1" smtClean="0">
+                          </m:acc>
+                        </m:oMath>
+                      </a14:m>
+                      <a:r>
+                        <a:rPr lang="en-US" sz="1700" dirty="0" smtClean="0"/>
+                        <a:t>)</a:t>
+                      </a:r>
+                      <a:endParaRPr lang="en-US" sz="1700" dirty="0"/>
+                    </a:p>
+                  </p:txBody>
+                </p:sp>
+              </mc:Choice>
+              <mc:Fallback>
+                <p:sp>
+                  <p:nvSpPr>
+                    <p:cNvPr id="9" name="TextBox 8"/>
+                    <p:cNvSpPr txBox="1">
+                      <a:spLocks noRot="1" noChangeAspect="1" noMove="1" noResize="1" noEditPoints="1" noAdjustHandles="1" noChangeArrowheads="1" noChangeShapeType="1" noTextEdit="1"/>
+                    </p:cNvSpPr>
+                    <p:nvPr/>
+                  </p:nvSpPr>
+                  <p:spPr>
+                    <a:xfrm>
+                      <a:off x="6084347" y="1661475"/>
+                      <a:ext cx="524503" cy="387414"/>
+                    </a:xfrm>
+                    <a:prstGeom prst="rect">
+                      <a:avLst/>
+                    </a:prstGeom>
+                    <a:blipFill rotWithShape="0">
+                      <a:blip r:embed="rId6"/>
+                      <a:stretch>
+                        <a:fillRect l="-6977" r="-8140" b="-22222"/>
+                      </a:stretch>
+                    </a:blipFill>
+                  </p:spPr>
+                  <p:txBody>
+                    <a:bodyPr/>
+                    <a:lstStyle/>
+                    <a:p>
+                      <a:r>
+                        <a:rPr lang="en-US">
+                          <a:noFill/>
+                        </a:rPr>
+                        <a:t> </a:t>
+                      </a:r>
+                    </a:p>
+                  </p:txBody>
+                </p:sp>
+              </mc:Fallback>
+            </mc:AlternateContent>
+          </p:grpSp>
+          <p:sp>
+            <p:nvSpPr>
+              <p:cNvPr id="12" name="TextBox 11"/>
+              <p:cNvSpPr txBox="1"/>
+              <p:nvPr/>
+            </p:nvSpPr>
+            <p:spPr>
+              <a:xfrm>
+                <a:off x="4302440" y="1887365"/>
+                <a:ext cx="899990" cy="353943"/>
+              </a:xfrm>
+              <a:prstGeom prst="rect">
+                <a:avLst/>
+              </a:prstGeom>
+              <a:noFill/>
+            </p:spPr>
+            <p:txBody>
+              <a:bodyPr wrap="none" rtlCol="0">
+                <a:spAutoFit/>
+              </a:bodyPr>
+              <a:lstStyle/>
+              <a:p>
+                <a:r>
+                  <a:rPr lang="en-US" sz="1700" dirty="0" err="1" smtClean="0"/>
+                  <a:t>Δt</a:t>
+                </a:r>
+                <a:r>
+                  <a:rPr lang="en-US" sz="1700" dirty="0" smtClean="0"/>
+                  <a:t> = 0 fs</a:t>
+                </a:r>
+                <a:endParaRPr lang="en-US" sz="1700" dirty="0"/>
+              </a:p>
+            </p:txBody>
+          </p:sp>
+          <p:sp>
+            <p:nvSpPr>
+              <p:cNvPr id="13" name="TextBox 12"/>
+              <p:cNvSpPr txBox="1"/>
+              <p:nvPr/>
+            </p:nvSpPr>
+            <p:spPr>
+              <a:xfrm>
+                <a:off x="9057514" y="1881600"/>
+                <a:ext cx="1121204" cy="353943"/>
+              </a:xfrm>
+              <a:prstGeom prst="rect">
+                <a:avLst/>
+              </a:prstGeom>
+              <a:noFill/>
+            </p:spPr>
+            <p:txBody>
+              <a:bodyPr wrap="none" rtlCol="0">
+                <a:spAutoFit/>
+              </a:bodyPr>
+              <a:lstStyle/>
+              <a:p>
+                <a:r>
+                  <a:rPr lang="en-US" sz="1700" dirty="0" err="1" smtClean="0"/>
+                  <a:t>Δt</a:t>
+                </a:r>
+                <a:r>
+                  <a:rPr lang="en-US" sz="1700" dirty="0" smtClean="0"/>
+                  <a:t> = 800 fs</a:t>
+                </a:r>
+                <a:endParaRPr lang="en-US" sz="1700" dirty="0"/>
+              </a:p>
+            </p:txBody>
+          </p:sp>
+        </p:grpSp>
+        <mc:AlternateContent xmlns:mc="http://schemas.openxmlformats.org/markup-compatibility/2006">
+          <mc:Choice xmlns:a14="http://schemas.microsoft.com/office/drawing/2010/main" Requires="a14">
+            <p:sp>
+              <p:nvSpPr>
+                <p:cNvPr id="15" name="TextBox 14"/>
+                <p:cNvSpPr txBox="1"/>
+                <p:nvPr/>
+              </p:nvSpPr>
+              <p:spPr>
+                <a:xfrm>
+                  <a:off x="7322986" y="4620894"/>
+                  <a:ext cx="2932791" cy="408445"/>
+                </a:xfrm>
+                <a:prstGeom prst="rect">
+                  <a:avLst/>
+                </a:prstGeom>
+                <a:noFill/>
+              </p:spPr>
+              <p:txBody>
+                <a:bodyPr wrap="none" rtlCol="0">
+                  <a:spAutoFit/>
+                </a:bodyPr>
+                <a:lstStyle/>
+                <a:p>
+                  <a:pPr/>
+                  <a:r>
+                    <a:rPr lang="en-US" sz="1700" dirty="0" smtClean="0"/>
+                    <a:t>Spatial Frequencies </a:t>
+                  </a:r>
+                  <a14:m>
+                    <m:oMath xmlns:m="http://schemas.openxmlformats.org/officeDocument/2006/math">
+                      <m:d>
+                        <m:dPr>
+                          <m:begChr m:val="|"/>
+                          <m:endChr m:val="|"/>
+                          <m:ctrlPr>
+                            <a:rPr lang="en-US" sz="1700" i="1" smtClean="0">
+                              <a:latin typeface="Cambria Math" charset="0"/>
+                            </a:rPr>
+                          </m:ctrlPr>
+                        </m:dPr>
+                        <m:e>
+                          <m:acc>
+                            <m:accPr>
+                              <m:chr m:val="⃗"/>
+                              <m:ctrlPr>
+                                <a:rPr lang="en-US" sz="1700" i="1">
                                   <a:latin typeface="Cambria Math" charset="0"/>
                                 </a:rPr>
-                                <m:t>−1</m:t>
+                              </m:ctrlPr>
+                            </m:accPr>
+                            <m:e>
+                              <m:r>
+                                <a:rPr lang="de-DE" sz="1700" i="1">
+                                  <a:latin typeface="Cambria Math" charset="0"/>
+                                </a:rPr>
+                                <m:t>𝑄</m:t>
                               </m:r>
-                            </m:sup>
-                          </m:sSup>
-                        </m:oMath>
-                      </m:oMathPara>
-                    </a14:m>
-                    <a:endParaRPr lang="en-US" dirty="0"/>
-                  </a:p>
-                </p:txBody>
-              </p:sp>
-            </mc:Choice>
-            <mc:Fallback>
-              <p:sp>
-                <p:nvSpPr>
-                  <p:cNvPr id="10" name="TextBox 9"/>
-                  <p:cNvSpPr txBox="1">
-                    <a:spLocks noRot="1" noChangeAspect="1" noMove="1" noResize="1" noEditPoints="1" noAdjustHandles="1" noChangeArrowheads="1" noChangeShapeType="1" noTextEdit="1"/>
-                  </p:cNvSpPr>
-                  <p:nvPr/>
-                </p:nvSpPr>
-                <p:spPr>
-                  <a:xfrm>
-                    <a:off x="8073053" y="4618965"/>
-                    <a:ext cx="1140249" cy="404791"/>
-                  </a:xfrm>
-                  <a:prstGeom prst="rect">
-                    <a:avLst/>
-                  </a:prstGeom>
-                  <a:blipFill rotWithShape="0">
-                    <a:blip r:embed="rId7"/>
-                    <a:stretch>
-                      <a:fillRect t="-80303" b="-112121"/>
-                    </a:stretch>
-                  </a:blipFill>
-                </p:spPr>
-                <p:txBody>
-                  <a:bodyPr/>
-                  <a:lstStyle/>
-                  <a:p>
-                    <a:r>
-                      <a:rPr lang="en-US">
-                        <a:noFill/>
-                      </a:rPr>
-                      <a:t> </a:t>
-                    </a:r>
-                  </a:p>
-                </p:txBody>
-              </p:sp>
-            </mc:Fallback>
-          </mc:AlternateContent>
-        </p:grpSp>
-        <p:sp>
-          <p:nvSpPr>
-            <p:cNvPr id="12" name="TextBox 11"/>
-            <p:cNvSpPr txBox="1"/>
-            <p:nvPr/>
-          </p:nvSpPr>
-          <p:spPr>
-            <a:xfrm>
-              <a:off x="4302440" y="1887365"/>
-              <a:ext cx="939873" cy="369332"/>
-            </a:xfrm>
-            <a:prstGeom prst="rect">
-              <a:avLst/>
-            </a:prstGeom>
-            <a:noFill/>
-          </p:spPr>
-          <p:txBody>
-            <a:bodyPr wrap="none" rtlCol="0">
-              <a:spAutoFit/>
-            </a:bodyPr>
-            <a:lstStyle/>
-            <a:p>
-              <a:r>
-                <a:rPr lang="en-US" dirty="0" err="1" smtClean="0"/>
-                <a:t>Δt</a:t>
-              </a:r>
-              <a:r>
-                <a:rPr lang="en-US" dirty="0" smtClean="0"/>
-                <a:t> = 0 fs</a:t>
-              </a:r>
-              <a:endParaRPr lang="en-US" dirty="0"/>
-            </a:p>
-          </p:txBody>
-        </p:sp>
-        <p:sp>
-          <p:nvSpPr>
-            <p:cNvPr id="13" name="TextBox 12"/>
-            <p:cNvSpPr txBox="1"/>
-            <p:nvPr/>
-          </p:nvSpPr>
-          <p:spPr>
-            <a:xfrm>
-              <a:off x="9057514" y="1881600"/>
-              <a:ext cx="1173911" cy="369332"/>
-            </a:xfrm>
-            <a:prstGeom prst="rect">
-              <a:avLst/>
-            </a:prstGeom>
-            <a:noFill/>
-          </p:spPr>
-          <p:txBody>
-            <a:bodyPr wrap="none" rtlCol="0">
-              <a:spAutoFit/>
-            </a:bodyPr>
-            <a:lstStyle/>
-            <a:p>
-              <a:r>
-                <a:rPr lang="en-US" dirty="0" err="1" smtClean="0"/>
-                <a:t>Δt</a:t>
-              </a:r>
-              <a:r>
-                <a:rPr lang="en-US" dirty="0" smtClean="0"/>
-                <a:t> = 800 fs</a:t>
-              </a:r>
-              <a:endParaRPr lang="en-US" dirty="0"/>
-            </a:p>
-          </p:txBody>
-        </p:sp>
+                            </m:e>
+                          </m:acc>
+                        </m:e>
+                      </m:d>
+                      <m:r>
+                        <a:rPr lang="de-DE" sz="1700" b="0" i="1" smtClean="0">
+                          <a:latin typeface="Cambria Math" charset="0"/>
+                        </a:rPr>
+                        <m:t> </m:t>
+                      </m:r>
+                      <m:r>
+                        <a:rPr lang="de-DE" sz="1700" b="0" i="1" smtClean="0">
+                          <a:latin typeface="Cambria Math" charset="0"/>
+                        </a:rPr>
+                        <m:t>𝑖𝑛</m:t>
+                      </m:r>
+                      <m:r>
+                        <a:rPr lang="de-DE" sz="1700" b="0" i="1" smtClean="0">
+                          <a:latin typeface="Cambria Math" charset="0"/>
+                        </a:rPr>
+                        <m:t> </m:t>
+                      </m:r>
+                      <m:sSup>
+                        <m:sSupPr>
+                          <m:ctrlPr>
+                            <a:rPr lang="de-DE" sz="1700" b="0" i="1" smtClean="0">
+                              <a:latin typeface="Cambria Math" charset="0"/>
+                            </a:rPr>
+                          </m:ctrlPr>
+                        </m:sSupPr>
+                        <m:e>
+                          <m:r>
+                            <a:rPr lang="de-DE" sz="1700" b="0" i="1" smtClean="0">
+                              <a:latin typeface="Cambria Math" charset="0"/>
+                            </a:rPr>
+                            <m:t>𝑚</m:t>
+                          </m:r>
+                        </m:e>
+                        <m:sup>
+                          <m:r>
+                            <a:rPr lang="de-DE" sz="1700" b="0" i="1" smtClean="0">
+                              <a:latin typeface="Cambria Math" charset="0"/>
+                            </a:rPr>
+                            <m:t>−1</m:t>
+                          </m:r>
+                        </m:sup>
+                      </m:sSup>
+                    </m:oMath>
+                  </a14:m>
+                  <a:endParaRPr lang="en-US" sz="1700" dirty="0"/>
+                </a:p>
+              </p:txBody>
+            </p:sp>
+          </mc:Choice>
+          <mc:Fallback>
+            <p:sp>
+              <p:nvSpPr>
+                <p:cNvPr id="15" name="TextBox 14"/>
+                <p:cNvSpPr txBox="1">
+                  <a:spLocks noRot="1" noChangeAspect="1" noMove="1" noResize="1" noEditPoints="1" noAdjustHandles="1" noChangeArrowheads="1" noChangeShapeType="1" noTextEdit="1"/>
+                </p:cNvSpPr>
+                <p:nvPr/>
+              </p:nvSpPr>
+              <p:spPr>
+                <a:xfrm>
+                  <a:off x="7322986" y="4620894"/>
+                  <a:ext cx="2932791" cy="408445"/>
+                </a:xfrm>
+                <a:prstGeom prst="rect">
+                  <a:avLst/>
+                </a:prstGeom>
+                <a:blipFill rotWithShape="0">
+                  <a:blip r:embed="rId7"/>
+                  <a:stretch>
+                    <a:fillRect l="-1247" t="-68657" b="-97015"/>
+                  </a:stretch>
+                </a:blipFill>
+              </p:spPr>
+              <p:txBody>
+                <a:bodyPr/>
+                <a:lstStyle/>
+                <a:p>
+                  <a:r>
+                    <a:rPr lang="en-US">
+                      <a:noFill/>
+                    </a:rPr>
+                    <a:t> </a:t>
+                  </a:r>
+                </a:p>
+              </p:txBody>
+            </p:sp>
+          </mc:Fallback>
+        </mc:AlternateContent>
       </p:grpSp>
     </p:spTree>
     <p:extLst>
